--- a/Spotkanie 48/PGNET-48-Intro.pptx
+++ b/Spotkanie 48/PGNET-48-Intro.pptx
@@ -110,6 +110,11 @@
       </a:defRPr>
     </a:lvl9pPr>
   </p:defaultTextStyle>
+  <p:extLst>
+    <p:ext uri="{EFAFB233-063F-42B5-8137-9DF3F51BA10A}">
+      <p15:sldGuideLst xmlns:p15="http://schemas.microsoft.com/office/powerpoint/2012/main"/>
+    </p:ext>
+  </p:extLst>
 </p:presentation>
 </file>
 
@@ -3840,10 +3845,40 @@
                   </a:schemeClr>
                 </a:solidFill>
               </a:rPr>
-              <a:t>19:15 – 20:30</a:t>
-            </a:r>
-            <a:r>
-              <a:rPr lang="pl-PL" sz="1100" dirty="0" smtClean="0">
+              <a:t>19:15 </a:t>
+            </a:r>
+            <a:r>
+              <a:rPr lang="pl-PL" sz="1400" smtClean="0">
+                <a:solidFill>
+                  <a:schemeClr val="bg1">
+                    <a:lumMod val="50000"/>
+                  </a:schemeClr>
+                </a:solidFill>
+              </a:rPr>
+              <a:t>– </a:t>
+            </a:r>
+            <a:r>
+              <a:rPr lang="pl-PL" sz="1400" smtClean="0">
+                <a:solidFill>
+                  <a:schemeClr val="bg1">
+                    <a:lumMod val="50000"/>
+                  </a:schemeClr>
+                </a:solidFill>
+              </a:rPr>
+              <a:t>19</a:t>
+            </a:r>
+            <a:r>
+              <a:rPr lang="pl-PL" sz="1400" smtClean="0">
+                <a:solidFill>
+                  <a:schemeClr val="bg1">
+                    <a:lumMod val="50000"/>
+                  </a:schemeClr>
+                </a:solidFill>
+              </a:rPr>
+              <a:t>:30</a:t>
+            </a:r>
+            <a:r>
+              <a:rPr lang="pl-PL" sz="1100" smtClean="0">
                 <a:solidFill>
                   <a:schemeClr val="bg1">
                     <a:lumMod val="50000"/>

--- a/Spotkanie 48/PGNET-48-Intro.pptx
+++ b/Spotkanie 48/PGNET-48-Intro.pptx
@@ -8,10 +8,11 @@
     <p:sldId id="256" r:id="rId2"/>
     <p:sldId id="260" r:id="rId3"/>
     <p:sldId id="257" r:id="rId4"/>
-    <p:sldId id="259" r:id="rId5"/>
-    <p:sldId id="258" r:id="rId6"/>
-    <p:sldId id="261" r:id="rId7"/>
-    <p:sldId id="262" r:id="rId8"/>
+    <p:sldId id="263" r:id="rId5"/>
+    <p:sldId id="259" r:id="rId6"/>
+    <p:sldId id="258" r:id="rId7"/>
+    <p:sldId id="261" r:id="rId8"/>
+    <p:sldId id="262" r:id="rId9"/>
   </p:sldIdLst>
   <p:sldSz cx="12192000" cy="6858000"/>
   <p:notesSz cx="6858000" cy="9144000"/>
@@ -3855,27 +3856,7 @@
                   </a:schemeClr>
                 </a:solidFill>
               </a:rPr>
-              <a:t>– </a:t>
-            </a:r>
-            <a:r>
-              <a:rPr lang="pl-PL" sz="1400" smtClean="0">
-                <a:solidFill>
-                  <a:schemeClr val="bg1">
-                    <a:lumMod val="50000"/>
-                  </a:schemeClr>
-                </a:solidFill>
-              </a:rPr>
-              <a:t>19</a:t>
-            </a:r>
-            <a:r>
-              <a:rPr lang="pl-PL" sz="1400" smtClean="0">
-                <a:solidFill>
-                  <a:schemeClr val="bg1">
-                    <a:lumMod val="50000"/>
-                  </a:schemeClr>
-                </a:solidFill>
-              </a:rPr>
-              <a:t>:30</a:t>
+              <a:t>– 19:30</a:t>
             </a:r>
             <a:r>
               <a:rPr lang="pl-PL" sz="1100" smtClean="0">
@@ -4199,41 +4180,34 @@
         </p:nvSpPr>
         <p:spPr/>
         <p:txBody>
-          <a:bodyPr/>
+          <a:bodyPr>
+            <a:normAutofit/>
+          </a:bodyPr>
           <a:lstStyle/>
           <a:p>
             <a:r>
-              <a:rPr lang="pl-PL" dirty="0" smtClean="0"/>
-              <a:t>Tajemnice </a:t>
-            </a:r>
-            <a:r>
-              <a:rPr lang="pl-PL" dirty="0" err="1" smtClean="0"/>
-              <a:t>generyków</a:t>
-            </a:r>
-            <a:endParaRPr lang="pl-PL" dirty="0"/>
-          </a:p>
-        </p:txBody>
-      </p:sp>
-      <p:sp>
-        <p:nvSpPr>
-          <p:cNvPr id="4" name="Symbol zastępczy tekstu 3"/>
-          <p:cNvSpPr>
-            <a:spLocks noGrp="1"/>
-          </p:cNvSpPr>
-          <p:nvPr>
-            <p:ph type="subTitle" idx="1"/>
-          </p:nvPr>
-        </p:nvSpPr>
-        <p:spPr/>
-        <p:txBody>
-          <a:bodyPr/>
-          <a:lstStyle/>
-          <a:p>
-            <a:r>
-              <a:rPr lang="pl-PL" dirty="0" smtClean="0"/>
-              <a:t>Tomasz Kujawa</a:t>
-            </a:r>
-            <a:endParaRPr lang="pl-PL" dirty="0"/>
+              <a:rPr lang="pl-PL" sz="2400" dirty="0" smtClean="0"/>
+              <a:t>SPONSOR spotkania:</a:t>
+            </a:r>
+            <a:r>
+              <a:rPr lang="pl-PL" sz="3600" dirty="0" smtClean="0"/>
+              <a:t/>
+            </a:r>
+            <a:br>
+              <a:rPr lang="pl-PL" sz="3600" dirty="0" smtClean="0"/>
+            </a:br>
+            <a:r>
+              <a:rPr lang="pl-PL" sz="4800" dirty="0" smtClean="0"/>
+              <a:t>GFT Polska</a:t>
+            </a:r>
+            <a:br>
+              <a:rPr lang="pl-PL" sz="4800" dirty="0" smtClean="0"/>
+            </a:br>
+            <a:r>
+              <a:rPr lang="pl-PL" sz="2400" dirty="0" smtClean="0"/>
+              <a:t>Dziękujemy!</a:t>
+            </a:r>
+            <a:endParaRPr lang="pl-PL" sz="4400" dirty="0"/>
           </a:p>
         </p:txBody>
       </p:sp>
@@ -4524,6 +4498,36 @@
           </p:txBody>
         </p:sp>
       </p:grpSp>
+      <p:pic>
+        <p:nvPicPr>
+          <p:cNvPr id="6" name="Obraz 5"/>
+          <p:cNvPicPr>
+            <a:picLocks noChangeAspect="1"/>
+          </p:cNvPicPr>
+          <p:nvPr/>
+        </p:nvPicPr>
+        <p:blipFill>
+          <a:blip r:embed="rId6">
+            <a:extLst>
+              <a:ext uri="{28A0092B-C50C-407E-A947-70E740481C1C}">
+                <a14:useLocalDpi xmlns:a14="http://schemas.microsoft.com/office/drawing/2010/main" val="0"/>
+              </a:ext>
+            </a:extLst>
+          </a:blip>
+          <a:stretch>
+            <a:fillRect/>
+          </a:stretch>
+        </p:blipFill>
+        <p:spPr>
+          <a:xfrm>
+            <a:off x="8895442" y="5457209"/>
+            <a:ext cx="2575560" cy="468893"/>
+          </a:xfrm>
+          <a:prstGeom prst="rect">
+            <a:avLst/>
+          </a:prstGeom>
+        </p:spPr>
+      </p:pic>
     </p:spTree>
     <p:extLst>
       <p:ext uri="{BB962C8B-B14F-4D97-AF65-F5344CB8AC3E}">
@@ -4545,6 +4549,380 @@
 </file>
 
 <file path=ppt/slides/slide4.xml><?xml version="1.0" encoding="utf-8"?>
+<p:sld xmlns:a="http://schemas.openxmlformats.org/drawingml/2006/main" xmlns:r="http://schemas.openxmlformats.org/officeDocument/2006/relationships" xmlns:p="http://schemas.openxmlformats.org/presentationml/2006/main">
+  <p:cSld>
+    <p:spTree>
+      <p:nvGrpSpPr>
+        <p:cNvPr id="1" name=""/>
+        <p:cNvGrpSpPr/>
+        <p:nvPr/>
+      </p:nvGrpSpPr>
+      <p:grpSpPr>
+        <a:xfrm>
+          <a:off x="0" y="0"/>
+          <a:ext cx="0" cy="0"/>
+          <a:chOff x="0" y="0"/>
+          <a:chExt cx="0" cy="0"/>
+        </a:xfrm>
+      </p:grpSpPr>
+      <p:sp>
+        <p:nvSpPr>
+          <p:cNvPr id="2" name="Tytuł 1"/>
+          <p:cNvSpPr>
+            <a:spLocks noGrp="1"/>
+          </p:cNvSpPr>
+          <p:nvPr>
+            <p:ph type="ctrTitle"/>
+          </p:nvPr>
+        </p:nvSpPr>
+        <p:spPr/>
+        <p:txBody>
+          <a:bodyPr/>
+          <a:lstStyle/>
+          <a:p>
+            <a:r>
+              <a:rPr lang="pl-PL" dirty="0" smtClean="0"/>
+              <a:t>Tajemnice </a:t>
+            </a:r>
+            <a:r>
+              <a:rPr lang="pl-PL" dirty="0" err="1" smtClean="0"/>
+              <a:t>generyków</a:t>
+            </a:r>
+            <a:endParaRPr lang="pl-PL" dirty="0"/>
+          </a:p>
+        </p:txBody>
+      </p:sp>
+      <p:sp>
+        <p:nvSpPr>
+          <p:cNvPr id="4" name="Symbol zastępczy tekstu 3"/>
+          <p:cNvSpPr>
+            <a:spLocks noGrp="1"/>
+          </p:cNvSpPr>
+          <p:nvPr>
+            <p:ph type="subTitle" idx="1"/>
+          </p:nvPr>
+        </p:nvSpPr>
+        <p:spPr/>
+        <p:txBody>
+          <a:bodyPr/>
+          <a:lstStyle/>
+          <a:p>
+            <a:r>
+              <a:rPr lang="pl-PL" dirty="0" smtClean="0"/>
+              <a:t>Tomasz Kujawa</a:t>
+            </a:r>
+            <a:endParaRPr lang="pl-PL" dirty="0"/>
+          </a:p>
+        </p:txBody>
+      </p:sp>
+      <p:pic>
+        <p:nvPicPr>
+          <p:cNvPr id="5" name="Picture 2" descr="Poznańska Grupa .NET"/>
+          <p:cNvPicPr>
+            <a:picLocks noChangeAspect="1" noChangeArrowheads="1"/>
+          </p:cNvPicPr>
+          <p:nvPr/>
+        </p:nvPicPr>
+        <p:blipFill>
+          <a:blip r:embed="rId2">
+            <a:extLst>
+              <a:ext uri="{28A0092B-C50C-407E-A947-70E740481C1C}">
+                <a14:useLocalDpi xmlns:a14="http://schemas.microsoft.com/office/drawing/2010/main" val="0"/>
+              </a:ext>
+            </a:extLst>
+          </a:blip>
+          <a:srcRect/>
+          <a:stretch>
+            <a:fillRect/>
+          </a:stretch>
+        </p:blipFill>
+        <p:spPr bwMode="auto">
+          <a:xfrm>
+            <a:off x="457200" y="5115159"/>
+            <a:ext cx="2238823" cy="1152995"/>
+          </a:xfrm>
+          <a:prstGeom prst="rect">
+            <a:avLst/>
+          </a:prstGeom>
+          <a:noFill/>
+          <a:extLst>
+            <a:ext uri="{909E8E84-426E-40DD-AFC4-6F175D3DCCD1}">
+              <a14:hiddenFill xmlns:a14="http://schemas.microsoft.com/office/drawing/2010/main">
+                <a:solidFill>
+                  <a:srgbClr val="FFFFFF"/>
+                </a:solidFill>
+              </a14:hiddenFill>
+            </a:ext>
+          </a:extLst>
+        </p:spPr>
+      </p:pic>
+      <p:grpSp>
+        <p:nvGrpSpPr>
+          <p:cNvPr id="10" name="Grupa 9"/>
+          <p:cNvGrpSpPr/>
+          <p:nvPr/>
+        </p:nvGrpSpPr>
+        <p:grpSpPr>
+          <a:xfrm>
+            <a:off x="6646018" y="493776"/>
+            <a:ext cx="5175547" cy="1255660"/>
+            <a:chOff x="6646018" y="493776"/>
+            <a:chExt cx="5175547" cy="1255660"/>
+          </a:xfrm>
+        </p:grpSpPr>
+        <p:sp>
+          <p:nvSpPr>
+            <p:cNvPr id="11" name="pole tekstowe 10"/>
+            <p:cNvSpPr txBox="1"/>
+            <p:nvPr/>
+          </p:nvSpPr>
+          <p:spPr>
+            <a:xfrm>
+              <a:off x="6646018" y="493776"/>
+              <a:ext cx="4824984" cy="400110"/>
+            </a:xfrm>
+            <a:prstGeom prst="rect">
+              <a:avLst/>
+            </a:prstGeom>
+            <a:noFill/>
+          </p:spPr>
+          <p:txBody>
+            <a:bodyPr wrap="square" rtlCol="0">
+              <a:spAutoFit/>
+            </a:bodyPr>
+            <a:lstStyle/>
+            <a:p>
+              <a:pPr algn="r"/>
+              <a:r>
+                <a:rPr lang="pl-PL" sz="2000" dirty="0" smtClean="0">
+                  <a:solidFill>
+                    <a:schemeClr val="bg1"/>
+                  </a:solidFill>
+                </a:rPr>
+                <a:t>facebook.com/</a:t>
+              </a:r>
+              <a:r>
+                <a:rPr lang="pl-PL" sz="2000" dirty="0" err="1" smtClean="0">
+                  <a:solidFill>
+                    <a:schemeClr val="bg1"/>
+                  </a:solidFill>
+                </a:rPr>
+                <a:t>pgdotnet</a:t>
+              </a:r>
+              <a:endParaRPr lang="pl-PL" sz="2000" dirty="0" smtClean="0">
+                <a:solidFill>
+                  <a:schemeClr val="bg1"/>
+                </a:solidFill>
+              </a:endParaRPr>
+            </a:p>
+          </p:txBody>
+        </p:sp>
+        <p:pic>
+          <p:nvPicPr>
+            <p:cNvPr id="12" name="Obraz 11"/>
+            <p:cNvPicPr>
+              <a:picLocks noChangeAspect="1"/>
+            </p:cNvPicPr>
+            <p:nvPr/>
+          </p:nvPicPr>
+          <p:blipFill>
+            <a:blip r:embed="rId3">
+              <a:extLst>
+                <a:ext uri="{28A0092B-C50C-407E-A947-70E740481C1C}">
+                  <a14:useLocalDpi xmlns:a14="http://schemas.microsoft.com/office/drawing/2010/main" val="0"/>
+                </a:ext>
+              </a:extLst>
+            </a:blip>
+            <a:stretch>
+              <a:fillRect/>
+            </a:stretch>
+          </p:blipFill>
+          <p:spPr>
+            <a:xfrm>
+              <a:off x="11516722" y="541409"/>
+              <a:ext cx="304843" cy="304843"/>
+            </a:xfrm>
+            <a:prstGeom prst="rect">
+              <a:avLst/>
+            </a:prstGeom>
+          </p:spPr>
+        </p:pic>
+        <p:pic>
+          <p:nvPicPr>
+            <p:cNvPr id="13" name="Obraz 12"/>
+            <p:cNvPicPr>
+              <a:picLocks noChangeAspect="1"/>
+            </p:cNvPicPr>
+            <p:nvPr/>
+          </p:nvPicPr>
+          <p:blipFill>
+            <a:blip r:embed="rId4">
+              <a:extLst>
+                <a:ext uri="{28A0092B-C50C-407E-A947-70E740481C1C}">
+                  <a14:useLocalDpi xmlns:a14="http://schemas.microsoft.com/office/drawing/2010/main" val="0"/>
+                </a:ext>
+              </a:extLst>
+            </a:blip>
+            <a:stretch>
+              <a:fillRect/>
+            </a:stretch>
+          </p:blipFill>
+          <p:spPr>
+            <a:xfrm>
+              <a:off x="11516765" y="969205"/>
+              <a:ext cx="304800" cy="304800"/>
+            </a:xfrm>
+            <a:prstGeom prst="rect">
+              <a:avLst/>
+            </a:prstGeom>
+          </p:spPr>
+        </p:pic>
+        <p:pic>
+          <p:nvPicPr>
+            <p:cNvPr id="14" name="Obraz 13"/>
+            <p:cNvPicPr>
+              <a:picLocks noChangeAspect="1"/>
+            </p:cNvPicPr>
+            <p:nvPr/>
+          </p:nvPicPr>
+          <p:blipFill>
+            <a:blip r:embed="rId5">
+              <a:extLst>
+                <a:ext uri="{28A0092B-C50C-407E-A947-70E740481C1C}">
+                  <a14:useLocalDpi xmlns:a14="http://schemas.microsoft.com/office/drawing/2010/main" val="0"/>
+                </a:ext>
+              </a:extLst>
+            </a:blip>
+            <a:stretch>
+              <a:fillRect/>
+            </a:stretch>
+          </p:blipFill>
+          <p:spPr>
+            <a:xfrm>
+              <a:off x="11516765" y="1443697"/>
+              <a:ext cx="304800" cy="304800"/>
+            </a:xfrm>
+            <a:prstGeom prst="rect">
+              <a:avLst/>
+            </a:prstGeom>
+          </p:spPr>
+        </p:pic>
+        <p:sp>
+          <p:nvSpPr>
+            <p:cNvPr id="15" name="pole tekstowe 14"/>
+            <p:cNvSpPr txBox="1"/>
+            <p:nvPr/>
+          </p:nvSpPr>
+          <p:spPr>
+            <a:xfrm>
+              <a:off x="6646018" y="897734"/>
+              <a:ext cx="4824984" cy="400110"/>
+            </a:xfrm>
+            <a:prstGeom prst="rect">
+              <a:avLst/>
+            </a:prstGeom>
+            <a:noFill/>
+          </p:spPr>
+          <p:txBody>
+            <a:bodyPr wrap="square" rtlCol="0">
+              <a:spAutoFit/>
+            </a:bodyPr>
+            <a:lstStyle/>
+            <a:p>
+              <a:pPr algn="r"/>
+              <a:r>
+                <a:rPr lang="pl-PL" sz="2000" dirty="0" smtClean="0">
+                  <a:solidFill>
+                    <a:schemeClr val="bg1"/>
+                  </a:solidFill>
+                </a:rPr>
+                <a:t>github.com/</a:t>
+              </a:r>
+              <a:r>
+                <a:rPr lang="pl-PL" sz="2000" dirty="0" err="1" smtClean="0">
+                  <a:solidFill>
+                    <a:schemeClr val="bg1"/>
+                  </a:solidFill>
+                </a:rPr>
+                <a:t>pgdotnet</a:t>
+              </a:r>
+              <a:endParaRPr lang="pl-PL" sz="2000" dirty="0" smtClean="0">
+                <a:solidFill>
+                  <a:schemeClr val="bg1"/>
+                </a:solidFill>
+              </a:endParaRPr>
+            </a:p>
+          </p:txBody>
+        </p:sp>
+        <p:sp>
+          <p:nvSpPr>
+            <p:cNvPr id="16" name="pole tekstowe 15"/>
+            <p:cNvSpPr txBox="1"/>
+            <p:nvPr/>
+          </p:nvSpPr>
+          <p:spPr>
+            <a:xfrm>
+              <a:off x="6646018" y="1349326"/>
+              <a:ext cx="4824984" cy="400110"/>
+            </a:xfrm>
+            <a:prstGeom prst="rect">
+              <a:avLst/>
+            </a:prstGeom>
+            <a:noFill/>
+          </p:spPr>
+          <p:txBody>
+            <a:bodyPr wrap="square" rtlCol="0">
+              <a:spAutoFit/>
+            </a:bodyPr>
+            <a:lstStyle/>
+            <a:p>
+              <a:pPr algn="r"/>
+              <a:r>
+                <a:rPr lang="pl-PL" sz="2000" dirty="0" smtClean="0">
+                  <a:solidFill>
+                    <a:schemeClr val="bg1"/>
+                  </a:solidFill>
+                </a:rPr>
+                <a:t>@</a:t>
+              </a:r>
+              <a:r>
+                <a:rPr lang="pl-PL" sz="2000" dirty="0" err="1" smtClean="0">
+                  <a:solidFill>
+                    <a:schemeClr val="bg1"/>
+                  </a:solidFill>
+                </a:rPr>
+                <a:t>pgdotnet</a:t>
+              </a:r>
+              <a:endParaRPr lang="pl-PL" sz="2000" dirty="0" smtClean="0">
+                <a:solidFill>
+                  <a:schemeClr val="bg1"/>
+                </a:solidFill>
+              </a:endParaRPr>
+            </a:p>
+          </p:txBody>
+        </p:sp>
+      </p:grpSp>
+    </p:spTree>
+    <p:extLst>
+      <p:ext uri="{BB962C8B-B14F-4D97-AF65-F5344CB8AC3E}">
+        <p14:creationId xmlns:p14="http://schemas.microsoft.com/office/powerpoint/2010/main" val="3460498804"/>
+      </p:ext>
+    </p:extLst>
+  </p:cSld>
+  <p:clrMapOvr>
+    <a:masterClrMapping/>
+  </p:clrMapOvr>
+  <p:timing>
+    <p:tnLst>
+      <p:par>
+        <p:cTn id="1" dur="indefinite" restart="never" nodeType="tmRoot"/>
+      </p:par>
+    </p:tnLst>
+  </p:timing>
+</p:sld>
+</file>
+
+<file path=ppt/slides/slide5.xml><?xml version="1.0" encoding="utf-8"?>
 <p:sld xmlns:a="http://schemas.openxmlformats.org/drawingml/2006/main" xmlns:r="http://schemas.openxmlformats.org/officeDocument/2006/relationships" xmlns:p="http://schemas.openxmlformats.org/presentationml/2006/main">
   <p:cSld>
     <p:spTree>
@@ -4914,7 +5292,7 @@
 </p:sld>
 </file>
 
-<file path=ppt/slides/slide5.xml><?xml version="1.0" encoding="utf-8"?>
+<file path=ppt/slides/slide6.xml><?xml version="1.0" encoding="utf-8"?>
 <p:sld xmlns:a="http://schemas.openxmlformats.org/drawingml/2006/main" xmlns:r="http://schemas.openxmlformats.org/officeDocument/2006/relationships" xmlns:p="http://schemas.openxmlformats.org/presentationml/2006/main">
   <p:cSld>
     <p:spTree>
@@ -5323,7 +5701,7 @@
 </p:sld>
 </file>
 
-<file path=ppt/slides/slide6.xml><?xml version="1.0" encoding="utf-8"?>
+<file path=ppt/slides/slide7.xml><?xml version="1.0" encoding="utf-8"?>
 <p:sld xmlns:a="http://schemas.openxmlformats.org/drawingml/2006/main" xmlns:r="http://schemas.openxmlformats.org/officeDocument/2006/relationships" xmlns:p="http://schemas.openxmlformats.org/presentationml/2006/main">
   <p:cSld>
     <p:spTree>
@@ -5693,7 +6071,7 @@
 </p:sld>
 </file>
 
-<file path=ppt/slides/slide7.xml><?xml version="1.0" encoding="utf-8"?>
+<file path=ppt/slides/slide8.xml><?xml version="1.0" encoding="utf-8"?>
 <p:sld xmlns:a="http://schemas.openxmlformats.org/drawingml/2006/main" xmlns:r="http://schemas.openxmlformats.org/officeDocument/2006/relationships" xmlns:p="http://schemas.openxmlformats.org/presentationml/2006/main">
   <p:cSld>
     <p:spTree>
